--- a/Cursus/BasisCSharp-OO.pptx
+++ b/Cursus/BasisCSharp-OO.pptx
@@ -230,7 +230,7 @@
           <a:p>
             <a:fld id="{0123E455-1A20-4F9D-AB8C-A6908B79F2B5}" type="datetimeFigureOut">
               <a:rPr lang="en-US" smtClean="0"/>
-              <a:t>3/10/2020</a:t>
+              <a:t>5/5/2020</a:t>
             </a:fld>
             <a:endParaRPr lang="en-US"/>
           </a:p>
@@ -644,7 +644,7 @@
           <a:p>
             <a:fld id="{A0E91A94-F19F-40CA-AA51-DB498FD38CEA}" type="datetimeFigureOut">
               <a:rPr lang="en-US" smtClean="0"/>
-              <a:t>3/10/2020</a:t>
+              <a:t>5/5/2020</a:t>
             </a:fld>
             <a:endParaRPr lang="en-US"/>
           </a:p>
@@ -842,7 +842,7 @@
           <a:p>
             <a:fld id="{A0E91A94-F19F-40CA-AA51-DB498FD38CEA}" type="datetimeFigureOut">
               <a:rPr lang="en-US" smtClean="0"/>
-              <a:t>3/10/2020</a:t>
+              <a:t>5/5/2020</a:t>
             </a:fld>
             <a:endParaRPr lang="en-US"/>
           </a:p>
@@ -1050,7 +1050,7 @@
           <a:p>
             <a:fld id="{A0E91A94-F19F-40CA-AA51-DB498FD38CEA}" type="datetimeFigureOut">
               <a:rPr lang="en-US" smtClean="0"/>
-              <a:t>3/10/2020</a:t>
+              <a:t>5/5/2020</a:t>
             </a:fld>
             <a:endParaRPr lang="en-US"/>
           </a:p>
@@ -1316,7 +1316,7 @@
           <a:p>
             <a:fld id="{A0E91A94-F19F-40CA-AA51-DB498FD38CEA}" type="datetimeFigureOut">
               <a:rPr lang="en-US" smtClean="0"/>
-              <a:t>3/10/2020</a:t>
+              <a:t>5/5/2020</a:t>
             </a:fld>
             <a:endParaRPr lang="en-US"/>
           </a:p>
@@ -1591,7 +1591,7 @@
           <a:p>
             <a:fld id="{A0E91A94-F19F-40CA-AA51-DB498FD38CEA}" type="datetimeFigureOut">
               <a:rPr lang="en-US" smtClean="0"/>
-              <a:t>3/10/2020</a:t>
+              <a:t>5/5/2020</a:t>
             </a:fld>
             <a:endParaRPr lang="en-US"/>
           </a:p>
@@ -1856,7 +1856,7 @@
           <a:p>
             <a:fld id="{A0E91A94-F19F-40CA-AA51-DB498FD38CEA}" type="datetimeFigureOut">
               <a:rPr lang="en-US" smtClean="0"/>
-              <a:t>3/10/2020</a:t>
+              <a:t>5/5/2020</a:t>
             </a:fld>
             <a:endParaRPr lang="en-US"/>
           </a:p>
@@ -2268,7 +2268,7 @@
           <a:p>
             <a:fld id="{A0E91A94-F19F-40CA-AA51-DB498FD38CEA}" type="datetimeFigureOut">
               <a:rPr lang="en-US" smtClean="0"/>
-              <a:t>3/10/2020</a:t>
+              <a:t>5/5/2020</a:t>
             </a:fld>
             <a:endParaRPr lang="en-US"/>
           </a:p>
@@ -2409,7 +2409,7 @@
           <a:p>
             <a:fld id="{A0E91A94-F19F-40CA-AA51-DB498FD38CEA}" type="datetimeFigureOut">
               <a:rPr lang="en-US" smtClean="0"/>
-              <a:t>3/10/2020</a:t>
+              <a:t>5/5/2020</a:t>
             </a:fld>
             <a:endParaRPr lang="en-US"/>
           </a:p>
@@ -2522,7 +2522,7 @@
           <a:p>
             <a:fld id="{A0E91A94-F19F-40CA-AA51-DB498FD38CEA}" type="datetimeFigureOut">
               <a:rPr lang="en-US" smtClean="0"/>
-              <a:t>3/10/2020</a:t>
+              <a:t>5/5/2020</a:t>
             </a:fld>
             <a:endParaRPr lang="en-US"/>
           </a:p>
@@ -2833,7 +2833,7 @@
           <a:p>
             <a:fld id="{A0E91A94-F19F-40CA-AA51-DB498FD38CEA}" type="datetimeFigureOut">
               <a:rPr lang="en-US" smtClean="0"/>
-              <a:t>3/10/2020</a:t>
+              <a:t>5/5/2020</a:t>
             </a:fld>
             <a:endParaRPr lang="en-US"/>
           </a:p>
@@ -3121,7 +3121,7 @@
           <a:p>
             <a:fld id="{A0E91A94-F19F-40CA-AA51-DB498FD38CEA}" type="datetimeFigureOut">
               <a:rPr lang="en-US" smtClean="0"/>
-              <a:t>3/10/2020</a:t>
+              <a:t>5/5/2020</a:t>
             </a:fld>
             <a:endParaRPr lang="en-US"/>
           </a:p>
@@ -3362,7 +3362,7 @@
           <a:p>
             <a:fld id="{A0E91A94-F19F-40CA-AA51-DB498FD38CEA}" type="datetimeFigureOut">
               <a:rPr lang="en-US" smtClean="0"/>
-              <a:t>3/10/2020</a:t>
+              <a:t>5/5/2020</a:t>
             </a:fld>
             <a:endParaRPr lang="en-US"/>
           </a:p>
@@ -26418,7 +26418,7 @@
               <a:t> </a:t>
             </a:r>
             <a:r>
-              <a:rPr lang="nl-BE" dirty="0" err="1"/>
+              <a:rPr lang="nl-BE" b="1" dirty="0" err="1"/>
               <a:t>where</a:t>
             </a:r>
             <a:r>
@@ -31253,7 +31253,7 @@
           <a:p>
             <a:r>
               <a:rPr lang="nl-BE" dirty="0"/>
-              <a:t>Ze worden ook gebruikt door de nieuwere functies van het framework (na de introductie van </a:t>
+              <a:t>Ze worden ook gebruikt door de nieuwe functies van het framework (na de introductie van </a:t>
             </a:r>
             <a:r>
               <a:rPr lang="nl-BE" dirty="0" err="1"/>
@@ -31261,15 +31261,7 @@
             </a:r>
             <a:r>
               <a:rPr lang="nl-BE" dirty="0"/>
-              <a:t>) zoals </a:t>
-            </a:r>
-            <a:r>
-              <a:rPr lang="nl-BE" dirty="0" err="1"/>
-              <a:t>Linq</a:t>
-            </a:r>
-            <a:r>
-              <a:rPr lang="nl-BE" dirty="0"/>
-              <a:t> en in </a:t>
+              <a:t>) zoals LINQ en in </a:t>
             </a:r>
             <a:r>
               <a:rPr lang="nl-BE" dirty="0" err="1"/>
